--- a/images/tmp.pptx
+++ b/images/tmp.pptx
@@ -6,6 +6,10 @@
   </p:sldMasterIdLst>
   <p:sldIdLst>
     <p:sldId id="256" r:id="rId2"/>
+    <p:sldId id="257" r:id="rId3"/>
+    <p:sldId id="258" r:id="rId4"/>
+    <p:sldId id="259" r:id="rId5"/>
+    <p:sldId id="260" r:id="rId6"/>
   </p:sldIdLst>
   <p:sldSz cx="12192000" cy="6858000"/>
   <p:notesSz cx="6858000" cy="9144000"/>
@@ -104,6 +108,11 @@
       </a:defRPr>
     </a:lvl9pPr>
   </p:defaultTextStyle>
+  <p:extLst>
+    <p:ext uri="{EFAFB233-063F-42B5-8137-9DF3F51BA10A}">
+      <p15:sldGuideLst xmlns:p15="http://schemas.microsoft.com/office/powerpoint/2012/main"/>
+    </p:ext>
+  </p:extLst>
 </p:presentation>
 </file>
 
@@ -3406,6 +3415,223 @@
 </p:sld>
 </file>
 
+<file path=ppt/slides/slide2.xml><?xml version="1.0" encoding="utf-8"?>
+<p:sld xmlns:a="http://schemas.openxmlformats.org/drawingml/2006/main" xmlns:r="http://schemas.openxmlformats.org/officeDocument/2006/relationships" xmlns:p="http://schemas.openxmlformats.org/presentationml/2006/main">
+  <p:cSld>
+    <p:spTree>
+      <p:nvGrpSpPr>
+        <p:cNvPr id="1" name="">
+          <a:extLst>
+            <a:ext uri="{FF2B5EF4-FFF2-40B4-BE49-F238E27FC236}">
+              <a16:creationId xmlns:a16="http://schemas.microsoft.com/office/drawing/2014/main" id="{468E0502-2B4C-F094-D670-E61EB5EF49C7}"/>
+            </a:ext>
+          </a:extLst>
+        </p:cNvPr>
+        <p:cNvGrpSpPr/>
+        <p:nvPr/>
+      </p:nvGrpSpPr>
+      <p:grpSpPr>
+        <a:xfrm>
+          <a:off x="0" y="0"/>
+          <a:ext cx="0" cy="0"/>
+          <a:chOff x="0" y="0"/>
+          <a:chExt cx="0" cy="0"/>
+        </a:xfrm>
+      </p:grpSpPr>
+      <p:pic>
+        <p:nvPicPr>
+          <p:cNvPr id="3" name="图片 2">
+            <a:extLst>
+              <a:ext uri="{FF2B5EF4-FFF2-40B4-BE49-F238E27FC236}">
+                <a16:creationId xmlns:a16="http://schemas.microsoft.com/office/drawing/2014/main" id="{617ECBBB-8752-1EE4-6EF4-BB6B871764EA}"/>
+              </a:ext>
+            </a:extLst>
+          </p:cNvPr>
+          <p:cNvPicPr>
+            <a:picLocks noChangeAspect="1"/>
+          </p:cNvPicPr>
+          <p:nvPr/>
+        </p:nvPicPr>
+        <p:blipFill>
+          <a:blip r:embed="rId2">
+            <a:extLst>
+              <a:ext uri="{28A0092B-C50C-407E-A947-70E740481C1C}">
+                <a14:useLocalDpi xmlns:a14="http://schemas.microsoft.com/office/drawing/2010/main" val="0"/>
+              </a:ext>
+            </a:extLst>
+          </a:blip>
+          <a:srcRect t="8724"/>
+          <a:stretch>
+            <a:fillRect/>
+          </a:stretch>
+        </p:blipFill>
+        <p:spPr>
+          <a:xfrm>
+            <a:off x="2566554" y="3051345"/>
+            <a:ext cx="7214753" cy="3474157"/>
+          </a:xfrm>
+          <a:prstGeom prst="rect">
+            <a:avLst/>
+          </a:prstGeom>
+        </p:spPr>
+      </p:pic>
+      <p:pic>
+        <p:nvPicPr>
+          <p:cNvPr id="6" name="图片 5">
+            <a:extLst>
+              <a:ext uri="{FF2B5EF4-FFF2-40B4-BE49-F238E27FC236}">
+                <a16:creationId xmlns:a16="http://schemas.microsoft.com/office/drawing/2014/main" id="{BA583730-0A63-ADCE-247B-E3E18779AF9B}"/>
+              </a:ext>
+            </a:extLst>
+          </p:cNvPr>
+          <p:cNvPicPr>
+            <a:picLocks noChangeAspect="1"/>
+          </p:cNvPicPr>
+          <p:nvPr/>
+        </p:nvPicPr>
+        <p:blipFill>
+          <a:blip r:embed="rId3">
+            <a:extLst>
+              <a:ext uri="{28A0092B-C50C-407E-A947-70E740481C1C}">
+                <a14:useLocalDpi xmlns:a14="http://schemas.microsoft.com/office/drawing/2010/main" val="0"/>
+              </a:ext>
+            </a:extLst>
+          </a:blip>
+          <a:stretch>
+            <a:fillRect/>
+          </a:stretch>
+        </p:blipFill>
+        <p:spPr>
+          <a:xfrm>
+            <a:off x="2566554" y="203062"/>
+            <a:ext cx="7214754" cy="2848283"/>
+          </a:xfrm>
+          <a:prstGeom prst="rect">
+            <a:avLst/>
+          </a:prstGeom>
+        </p:spPr>
+      </p:pic>
+    </p:spTree>
+    <p:extLst>
+      <p:ext uri="{BB962C8B-B14F-4D97-AF65-F5344CB8AC3E}">
+        <p14:creationId xmlns:p14="http://schemas.microsoft.com/office/powerpoint/2010/main" val="2674527275"/>
+      </p:ext>
+    </p:extLst>
+  </p:cSld>
+  <p:clrMapOvr>
+    <a:masterClrMapping/>
+  </p:clrMapOvr>
+</p:sld>
+</file>
+
+<file path=ppt/slides/slide3.xml><?xml version="1.0" encoding="utf-8"?>
+<p:sld xmlns:a="http://schemas.openxmlformats.org/drawingml/2006/main" xmlns:r="http://schemas.openxmlformats.org/officeDocument/2006/relationships" xmlns:p="http://schemas.openxmlformats.org/presentationml/2006/main">
+  <p:cSld>
+    <p:spTree>
+      <p:nvGrpSpPr>
+        <p:cNvPr id="1" name="">
+          <a:extLst>
+            <a:ext uri="{FF2B5EF4-FFF2-40B4-BE49-F238E27FC236}">
+              <a16:creationId xmlns:a16="http://schemas.microsoft.com/office/drawing/2014/main" id="{D9E540D0-4156-F5F9-EBC6-3B739D4AA0AB}"/>
+            </a:ext>
+          </a:extLst>
+        </p:cNvPr>
+        <p:cNvGrpSpPr/>
+        <p:nvPr/>
+      </p:nvGrpSpPr>
+      <p:grpSpPr>
+        <a:xfrm>
+          <a:off x="0" y="0"/>
+          <a:ext cx="0" cy="0"/>
+          <a:chOff x="0" y="0"/>
+          <a:chExt cx="0" cy="0"/>
+        </a:xfrm>
+      </p:grpSpPr>
+    </p:spTree>
+    <p:extLst>
+      <p:ext uri="{BB962C8B-B14F-4D97-AF65-F5344CB8AC3E}">
+        <p14:creationId xmlns:p14="http://schemas.microsoft.com/office/powerpoint/2010/main" val="1469251166"/>
+      </p:ext>
+    </p:extLst>
+  </p:cSld>
+  <p:clrMapOvr>
+    <a:masterClrMapping/>
+  </p:clrMapOvr>
+</p:sld>
+</file>
+
+<file path=ppt/slides/slide4.xml><?xml version="1.0" encoding="utf-8"?>
+<p:sld xmlns:a="http://schemas.openxmlformats.org/drawingml/2006/main" xmlns:r="http://schemas.openxmlformats.org/officeDocument/2006/relationships" xmlns:p="http://schemas.openxmlformats.org/presentationml/2006/main">
+  <p:cSld>
+    <p:spTree>
+      <p:nvGrpSpPr>
+        <p:cNvPr id="1" name="">
+          <a:extLst>
+            <a:ext uri="{FF2B5EF4-FFF2-40B4-BE49-F238E27FC236}">
+              <a16:creationId xmlns:a16="http://schemas.microsoft.com/office/drawing/2014/main" id="{EC793A9B-A83F-E28F-BC39-2DEC5450661F}"/>
+            </a:ext>
+          </a:extLst>
+        </p:cNvPr>
+        <p:cNvGrpSpPr/>
+        <p:nvPr/>
+      </p:nvGrpSpPr>
+      <p:grpSpPr>
+        <a:xfrm>
+          <a:off x="0" y="0"/>
+          <a:ext cx="0" cy="0"/>
+          <a:chOff x="0" y="0"/>
+          <a:chExt cx="0" cy="0"/>
+        </a:xfrm>
+      </p:grpSpPr>
+    </p:spTree>
+    <p:extLst>
+      <p:ext uri="{BB962C8B-B14F-4D97-AF65-F5344CB8AC3E}">
+        <p14:creationId xmlns:p14="http://schemas.microsoft.com/office/powerpoint/2010/main" val="1083121193"/>
+      </p:ext>
+    </p:extLst>
+  </p:cSld>
+  <p:clrMapOvr>
+    <a:masterClrMapping/>
+  </p:clrMapOvr>
+</p:sld>
+</file>
+
+<file path=ppt/slides/slide5.xml><?xml version="1.0" encoding="utf-8"?>
+<p:sld xmlns:a="http://schemas.openxmlformats.org/drawingml/2006/main" xmlns:r="http://schemas.openxmlformats.org/officeDocument/2006/relationships" xmlns:p="http://schemas.openxmlformats.org/presentationml/2006/main">
+  <p:cSld>
+    <p:spTree>
+      <p:nvGrpSpPr>
+        <p:cNvPr id="1" name="">
+          <a:extLst>
+            <a:ext uri="{FF2B5EF4-FFF2-40B4-BE49-F238E27FC236}">
+              <a16:creationId xmlns:a16="http://schemas.microsoft.com/office/drawing/2014/main" id="{AD7B71CD-F60E-7F49-7A32-C3501AA98825}"/>
+            </a:ext>
+          </a:extLst>
+        </p:cNvPr>
+        <p:cNvGrpSpPr/>
+        <p:nvPr/>
+      </p:nvGrpSpPr>
+      <p:grpSpPr>
+        <a:xfrm>
+          <a:off x="0" y="0"/>
+          <a:ext cx="0" cy="0"/>
+          <a:chOff x="0" y="0"/>
+          <a:chExt cx="0" cy="0"/>
+        </a:xfrm>
+      </p:grpSpPr>
+    </p:spTree>
+    <p:extLst>
+      <p:ext uri="{BB962C8B-B14F-4D97-AF65-F5344CB8AC3E}">
+        <p14:creationId xmlns:p14="http://schemas.microsoft.com/office/powerpoint/2010/main" val="3549604767"/>
+      </p:ext>
+    </p:extLst>
+  </p:cSld>
+  <p:clrMapOvr>
+    <a:masterClrMapping/>
+  </p:clrMapOvr>
+</p:sld>
+</file>
+
 <file path=ppt/theme/theme1.xml><?xml version="1.0" encoding="utf-8"?>
 <a:theme xmlns:a="http://schemas.openxmlformats.org/drawingml/2006/main" name="Office 主题​​">
   <a:themeElements>

--- a/images/tmp.pptx
+++ b/images/tmp.pptx
@@ -3547,6 +3547,198 @@
           <a:chExt cx="0" cy="0"/>
         </a:xfrm>
       </p:grpSpPr>
+      <p:pic>
+        <p:nvPicPr>
+          <p:cNvPr id="4" name="图片 3">
+            <a:extLst>
+              <a:ext uri="{FF2B5EF4-FFF2-40B4-BE49-F238E27FC236}">
+                <a16:creationId xmlns:a16="http://schemas.microsoft.com/office/drawing/2014/main" id="{49575819-247C-B908-79CA-459392D398F7}"/>
+              </a:ext>
+            </a:extLst>
+          </p:cNvPr>
+          <p:cNvPicPr>
+            <a:picLocks noChangeAspect="1"/>
+          </p:cNvPicPr>
+          <p:nvPr/>
+        </p:nvPicPr>
+        <p:blipFill>
+          <a:blip r:embed="rId2">
+            <a:extLst>
+              <a:ext uri="{28A0092B-C50C-407E-A947-70E740481C1C}">
+                <a14:useLocalDpi xmlns:a14="http://schemas.microsoft.com/office/drawing/2010/main" val="0"/>
+              </a:ext>
+            </a:extLst>
+          </a:blip>
+          <a:stretch>
+            <a:fillRect/>
+          </a:stretch>
+        </p:blipFill>
+        <p:spPr>
+          <a:xfrm>
+            <a:off x="271897" y="498763"/>
+            <a:ext cx="713975" cy="713975"/>
+          </a:xfrm>
+          <a:prstGeom prst="rect">
+            <a:avLst/>
+          </a:prstGeom>
+        </p:spPr>
+      </p:pic>
+      <p:pic>
+        <p:nvPicPr>
+          <p:cNvPr id="6" name="图片 5">
+            <a:extLst>
+              <a:ext uri="{FF2B5EF4-FFF2-40B4-BE49-F238E27FC236}">
+                <a16:creationId xmlns:a16="http://schemas.microsoft.com/office/drawing/2014/main" id="{870CA2A6-70C7-C3B5-2007-1D7694C30004}"/>
+              </a:ext>
+            </a:extLst>
+          </p:cNvPr>
+          <p:cNvPicPr>
+            <a:picLocks noChangeAspect="1"/>
+          </p:cNvPicPr>
+          <p:nvPr/>
+        </p:nvPicPr>
+        <p:blipFill>
+          <a:blip r:embed="rId3">
+            <a:extLst>
+              <a:ext uri="{28A0092B-C50C-407E-A947-70E740481C1C}">
+                <a14:useLocalDpi xmlns:a14="http://schemas.microsoft.com/office/drawing/2010/main" val="0"/>
+              </a:ext>
+            </a:extLst>
+          </a:blip>
+          <a:stretch>
+            <a:fillRect/>
+          </a:stretch>
+        </p:blipFill>
+        <p:spPr>
+          <a:xfrm>
+            <a:off x="82184" y="1527463"/>
+            <a:ext cx="1093399" cy="614845"/>
+          </a:xfrm>
+          <a:prstGeom prst="rect">
+            <a:avLst/>
+          </a:prstGeom>
+        </p:spPr>
+      </p:pic>
+      <p:pic>
+        <p:nvPicPr>
+          <p:cNvPr id="1030" name="Picture 6" descr="智平方科技| 全球领先的通用智能机器人研发、生产与服务提供商">
+            <a:extLst>
+              <a:ext uri="{FF2B5EF4-FFF2-40B4-BE49-F238E27FC236}">
+                <a16:creationId xmlns:a16="http://schemas.microsoft.com/office/drawing/2014/main" id="{B1ADBDED-28E6-BF15-FF5A-C061BBB16819}"/>
+              </a:ext>
+            </a:extLst>
+          </p:cNvPr>
+          <p:cNvPicPr>
+            <a:picLocks noChangeAspect="1" noChangeArrowheads="1"/>
+          </p:cNvPicPr>
+          <p:nvPr/>
+        </p:nvPicPr>
+        <p:blipFill>
+          <a:blip r:embed="rId4">
+            <a:extLst>
+              <a:ext uri="{28A0092B-C50C-407E-A947-70E740481C1C}">
+                <a14:useLocalDpi xmlns:a14="http://schemas.microsoft.com/office/drawing/2010/main" val="0"/>
+              </a:ext>
+            </a:extLst>
+          </a:blip>
+          <a:srcRect/>
+          <a:stretch>
+            <a:fillRect/>
+          </a:stretch>
+        </p:blipFill>
+        <p:spPr bwMode="auto">
+          <a:xfrm>
+            <a:off x="271898" y="2608118"/>
+            <a:ext cx="877616" cy="877616"/>
+          </a:xfrm>
+          <a:prstGeom prst="rect">
+            <a:avLst/>
+          </a:prstGeom>
+          <a:noFill/>
+          <a:extLst>
+            <a:ext uri="{909E8E84-426E-40DD-AFC4-6F175D3DCCD1}">
+              <a14:hiddenFill xmlns:a14="http://schemas.microsoft.com/office/drawing/2010/main">
+                <a:solidFill>
+                  <a:srgbClr val="FFFFFF"/>
+                </a:solidFill>
+              </a14:hiddenFill>
+            </a:ext>
+          </a:extLst>
+        </p:spPr>
+      </p:pic>
+      <p:pic>
+        <p:nvPicPr>
+          <p:cNvPr id="8" name="图片 7">
+            <a:extLst>
+              <a:ext uri="{FF2B5EF4-FFF2-40B4-BE49-F238E27FC236}">
+                <a16:creationId xmlns:a16="http://schemas.microsoft.com/office/drawing/2014/main" id="{9F68BBF8-1CA7-A244-D4C2-B333E2E5EE23}"/>
+              </a:ext>
+            </a:extLst>
+          </p:cNvPr>
+          <p:cNvPicPr>
+            <a:picLocks noChangeAspect="1"/>
+          </p:cNvPicPr>
+          <p:nvPr/>
+        </p:nvPicPr>
+        <p:blipFill>
+          <a:blip r:embed="rId5">
+            <a:extLst>
+              <a:ext uri="{28A0092B-C50C-407E-A947-70E740481C1C}">
+                <a14:useLocalDpi xmlns:a14="http://schemas.microsoft.com/office/drawing/2010/main" val="0"/>
+              </a:ext>
+            </a:extLst>
+          </a:blip>
+          <a:stretch>
+            <a:fillRect/>
+          </a:stretch>
+        </p:blipFill>
+        <p:spPr>
+          <a:xfrm>
+            <a:off x="1122359" y="4382702"/>
+            <a:ext cx="1836337" cy="614845"/>
+          </a:xfrm>
+          <a:prstGeom prst="rect">
+            <a:avLst/>
+          </a:prstGeom>
+        </p:spPr>
+      </p:pic>
+      <p:pic>
+        <p:nvPicPr>
+          <p:cNvPr id="11" name="图片 10">
+            <a:extLst>
+              <a:ext uri="{FF2B5EF4-FFF2-40B4-BE49-F238E27FC236}">
+                <a16:creationId xmlns:a16="http://schemas.microsoft.com/office/drawing/2014/main" id="{7DA4147F-4AA2-646C-A4F3-92E75942E430}"/>
+              </a:ext>
+            </a:extLst>
+          </p:cNvPr>
+          <p:cNvPicPr>
+            <a:picLocks noChangeAspect="1"/>
+          </p:cNvPicPr>
+          <p:nvPr/>
+        </p:nvPicPr>
+        <p:blipFill>
+          <a:blip r:embed="rId6">
+            <a:extLst>
+              <a:ext uri="{28A0092B-C50C-407E-A947-70E740481C1C}">
+                <a14:useLocalDpi xmlns:a14="http://schemas.microsoft.com/office/drawing/2010/main" val="0"/>
+              </a:ext>
+            </a:extLst>
+          </a:blip>
+          <a:srcRect l="22739" t="28630" r="23617" b="27956"/>
+          <a:stretch>
+            <a:fillRect/>
+          </a:stretch>
+        </p:blipFill>
+        <p:spPr>
+          <a:xfrm>
+            <a:off x="3631018" y="992267"/>
+            <a:ext cx="5592725" cy="4526276"/>
+          </a:xfrm>
+          <a:prstGeom prst="rect">
+            <a:avLst/>
+          </a:prstGeom>
+        </p:spPr>
+      </p:pic>
     </p:spTree>
     <p:extLst>
       <p:ext uri="{BB962C8B-B14F-4D97-AF65-F5344CB8AC3E}">
